--- a/2D 게임프로그래밍 3차 발표.pptx
+++ b/2D 게임프로그래밍 3차 발표.pptx
@@ -1476,7 +1476,7 @@
         </p:nvGraphicFramePr>
         <p:xfrm>
           <a:off x="283845" y="285205"/>
-          <a:ext cx="4345305" cy="2553244"/>
+          <a:ext cx="4345304" cy="2553240"/>
         </p:xfrm>
         <a:graphic>
           <a:graphicData uri="http://schemas.openxmlformats.org/drawingml/2006/table">
@@ -1655,7 +1655,7 @@
                       </a:r>
                       <a:endParaRPr lang="ko-KR" altLang="en-US" sz="400" b="0">
                         <a:solidFill>
-                          <a:schemeClr val="tx1"/>
+                          <a:srgbClr val="ff0000"/>
                         </a:solidFill>
                       </a:endParaRPr>
                     </a:p>
@@ -1933,7 +1933,7 @@
                       </a:r>
                       <a:endParaRPr lang="ko-KR" altLang="en-US" sz="400">
                         <a:solidFill>
-                          <a:schemeClr val="tx1"/>
+                          <a:srgbClr val="ff0000"/>
                         </a:solidFill>
                       </a:endParaRPr>
                     </a:p>
@@ -1963,15 +1963,7 @@
                             <a:srgbClr val="3057b9"/>
                           </a:solidFill>
                         </a:rPr>
-                        <a:t> </a:t>
-                      </a:r>
-                      <a:r>
-                        <a:rPr lang="ko-KR" altLang="en-US" sz="400">
-                          <a:solidFill>
-                            <a:srgbClr val="3057b9"/>
-                          </a:solidFill>
-                        </a:rPr>
-                        <a:t> 맵별 타일 생성</a:t>
+                        <a:t>  맵별 타일 생성</a:t>
                       </a:r>
                       <a:endParaRPr lang="ko-KR" altLang="en-US" sz="400">
                         <a:solidFill>
@@ -2001,7 +1993,7 @@
                       </a:r>
                       <a:endParaRPr lang="ko-KR" altLang="en-US" sz="400">
                         <a:solidFill>
-                          <a:schemeClr val="tx1"/>
+                          <a:srgbClr val="ff0000"/>
                         </a:solidFill>
                       </a:endParaRPr>
                     </a:p>
@@ -2091,7 +2083,7 @@
                             <a:schemeClr val="tx1"/>
                           </a:solidFill>
                         </a:rPr>
-                        <a:t>80</a:t>
+                        <a:t>90</a:t>
                       </a:r>
                       <a:r>
                         <a:rPr lang="ko-KR" altLang="en-US" sz="400">
@@ -2353,7 +2345,7 @@
                       </a:r>
                       <a:endParaRPr lang="ko-KR" altLang="en-US" sz="400">
                         <a:solidFill>
-                          <a:srgbClr val="3057b9"/>
+                          <a:srgbClr val="ff0000"/>
                         </a:solidFill>
                       </a:endParaRPr>
                     </a:p>
@@ -2453,7 +2445,7 @@
                             <a:schemeClr val="tx1"/>
                           </a:solidFill>
                         </a:rPr>
-                        <a:t>60</a:t>
+                        <a:t>70</a:t>
                       </a:r>
                       <a:r>
                         <a:rPr lang="ko-KR" altLang="en-US" sz="400">
@@ -2831,6 +2823,9 @@
                         <a:t> 조정</a:t>
                       </a:r>
                       <a:endParaRPr lang="en-US" altLang="ko-KR" sz="400">
+                        <a:solidFill>
+                          <a:srgbClr val="ff0000"/>
+                        </a:solidFill>
                         <a:latin typeface="맑은 고딕"/>
                       </a:endParaRPr>
                     </a:p>
@@ -2946,7 +2941,7 @@
                             <a:schemeClr val="tx1"/>
                           </a:solidFill>
                         </a:rPr>
-                        <a:t>0%</a:t>
+                        <a:t>50%</a:t>
                       </a:r>
                       <a:r>
                         <a:rPr lang="ko-KR" altLang="en-US" sz="400">
@@ -3920,7 +3915,7 @@
                             <a:schemeClr val="tx1"/>
                           </a:solidFill>
                         </a:rPr>
-                        <a:t>40%</a:t>
+                        <a:t>48%</a:t>
                       </a:r>
                       <a:r>
                         <a:rPr lang="ko-KR" altLang="en-US" sz="1000">
@@ -4119,7 +4114,7 @@
       </p:grpSpPr>
       <p:pic>
         <p:nvPicPr>
-          <p:cNvPr id="4" name="그림 3"/>
+          <p:cNvPr id="5" name="그림 4"/>
           <p:cNvPicPr>
             <a:picLocks noChangeAspect="1"/>
           </p:cNvPicPr>
@@ -4134,7 +4129,7 @@
         <p:spPr>
           <a:xfrm>
             <a:off x="0" y="0"/>
-            <a:ext cx="5143500" cy="2895599"/>
+            <a:ext cx="5143500" cy="2895600"/>
           </a:xfrm>
           <a:prstGeom prst="rect">
             <a:avLst/>
